--- a/doc/classification-highlights.pptx
+++ b/doc/classification-highlights.pptx
@@ -8,14 +8,13 @@
     <p:sldId id="256" r:id="rId2"/>
     <p:sldId id="257" r:id="rId3"/>
     <p:sldId id="258" r:id="rId4"/>
-    <p:sldId id="259" r:id="rId5"/>
-    <p:sldId id="260" r:id="rId6"/>
-    <p:sldId id="261" r:id="rId7"/>
-    <p:sldId id="262" r:id="rId8"/>
-    <p:sldId id="263" r:id="rId9"/>
-    <p:sldId id="264" r:id="rId10"/>
-    <p:sldId id="265" r:id="rId11"/>
-    <p:sldId id="266" r:id="rId12"/>
+    <p:sldId id="260" r:id="rId5"/>
+    <p:sldId id="261" r:id="rId6"/>
+    <p:sldId id="262" r:id="rId7"/>
+    <p:sldId id="263" r:id="rId8"/>
+    <p:sldId id="264" r:id="rId9"/>
+    <p:sldId id="265" r:id="rId10"/>
+    <p:sldId id="266" r:id="rId11"/>
   </p:sldIdLst>
   <p:sldSz cx="12192000" cy="6858000"/>
   <p:notesSz cx="6858000" cy="9144000"/>
@@ -293,7 +292,7 @@
             <a:fld id="{11A6662E-FAF4-44BC-88B5-85A7CBFB6D30}" type="datetime1">
               <a:rPr lang="en-US" smtClean="0"/>
               <a:pPr/>
-              <a:t>6/1/2021</a:t>
+              <a:t>6/2/2021</a:t>
             </a:fld>
             <a:endParaRPr lang="en-US"/>
           </a:p>
@@ -562,7 +561,7 @@
             <a:fld id="{57E0CF6C-748E-4B7A-BC8B-3011EF78ED13}" type="datetime1">
               <a:rPr lang="en-US" smtClean="0"/>
               <a:pPr/>
-              <a:t>6/1/2021</a:t>
+              <a:t>6/2/2021</a:t>
             </a:fld>
             <a:endParaRPr lang="en-US" dirty="0"/>
           </a:p>
@@ -796,7 +795,7 @@
             <a:fld id="{57E0CF6C-748E-4B7A-BC8B-3011EF78ED13}" type="datetime1">
               <a:rPr lang="en-US" smtClean="0"/>
               <a:pPr/>
-              <a:t>6/1/2021</a:t>
+              <a:t>6/2/2021</a:t>
             </a:fld>
             <a:endParaRPr lang="en-US" dirty="0"/>
           </a:p>
@@ -1109,7 +1108,7 @@
             <a:fld id="{57E0CF6C-748E-4B7A-BC8B-3011EF78ED13}" type="datetime1">
               <a:rPr lang="en-US" smtClean="0"/>
               <a:pPr/>
-              <a:t>6/1/2021</a:t>
+              <a:t>6/2/2021</a:t>
             </a:fld>
             <a:endParaRPr lang="en-US" dirty="0"/>
           </a:p>
@@ -1585,7 +1584,7 @@
             <a:fld id="{57E0CF6C-748E-4B7A-BC8B-3011EF78ED13}" type="datetime1">
               <a:rPr lang="en-US" smtClean="0"/>
               <a:pPr/>
-              <a:t>6/1/2021</a:t>
+              <a:t>6/2/2021</a:t>
             </a:fld>
             <a:endParaRPr lang="en-US" dirty="0"/>
           </a:p>
@@ -2135,7 +2134,7 @@
             <a:fld id="{57E0CF6C-748E-4B7A-BC8B-3011EF78ED13}" type="datetime1">
               <a:rPr lang="en-US" smtClean="0"/>
               <a:pPr/>
-              <a:t>6/1/2021</a:t>
+              <a:t>6/2/2021</a:t>
             </a:fld>
             <a:endParaRPr lang="en-US" dirty="0"/>
           </a:p>
@@ -2912,7 +2911,7 @@
             <a:fld id="{57E0CF6C-748E-4B7A-BC8B-3011EF78ED13}" type="datetime1">
               <a:rPr lang="en-US" smtClean="0"/>
               <a:pPr/>
-              <a:t>6/1/2021</a:t>
+              <a:t>6/2/2021</a:t>
             </a:fld>
             <a:endParaRPr lang="en-US" dirty="0"/>
           </a:p>
@@ -3089,7 +3088,7 @@
           <a:p>
             <a:fld id="{4C559632-1575-4E14-B53B-3DC3D5ED3947}" type="datetime1">
               <a:rPr lang="en-US" smtClean="0"/>
-              <a:t>6/1/2021</a:t>
+              <a:t>6/2/2021</a:t>
             </a:fld>
             <a:endParaRPr lang="en-US"/>
           </a:p>
@@ -3312,7 +3311,7 @@
           <a:p>
             <a:fld id="{CC4A6868-2568-4CC9-B302-F37117B01A6E}" type="datetime1">
               <a:rPr lang="en-US" smtClean="0"/>
-              <a:t>6/1/2021</a:t>
+              <a:t>6/2/2021</a:t>
             </a:fld>
             <a:endParaRPr lang="en-US"/>
           </a:p>
@@ -3492,7 +3491,7 @@
           <a:p>
             <a:fld id="{0055F08A-1E71-4B2B-BB49-E743F2903911}" type="datetime1">
               <a:rPr lang="en-US" smtClean="0"/>
-              <a:t>6/1/2021</a:t>
+              <a:t>6/2/2021</a:t>
             </a:fld>
             <a:endParaRPr lang="en-US" dirty="0"/>
           </a:p>
@@ -3781,7 +3780,7 @@
           <a:p>
             <a:fld id="{15417D9E-721A-44BB-8863-9873FE64DA75}" type="datetime1">
               <a:rPr lang="en-US" smtClean="0"/>
-              <a:t>6/1/2021</a:t>
+              <a:t>6/2/2021</a:t>
             </a:fld>
             <a:endParaRPr lang="en-US"/>
           </a:p>
@@ -4023,7 +4022,7 @@
           <a:p>
             <a:fld id="{5F31DA2F-80B8-49CF-99FB-5ABCA53A607A}" type="datetime1">
               <a:rPr lang="en-US" smtClean="0"/>
-              <a:t>6/1/2021</a:t>
+              <a:t>6/2/2021</a:t>
             </a:fld>
             <a:endParaRPr lang="en-US"/>
           </a:p>
@@ -4402,7 +4401,7 @@
           <a:p>
             <a:fld id="{28852172-E6C9-4B6C-929A-A9DE3837BBF1}" type="datetime1">
               <a:rPr lang="en-US" smtClean="0"/>
-              <a:t>6/1/2021</a:t>
+              <a:t>6/2/2021</a:t>
             </a:fld>
             <a:endParaRPr lang="en-US"/>
           </a:p>
@@ -4520,7 +4519,7 @@
           <a:p>
             <a:fld id="{3AB41CFF-90C9-47B3-9DA1-F2BF8D839F7E}" type="datetime1">
               <a:rPr lang="en-US" smtClean="0"/>
-              <a:t>6/1/2021</a:t>
+              <a:t>6/2/2021</a:t>
             </a:fld>
             <a:endParaRPr lang="en-US"/>
           </a:p>
@@ -4615,7 +4614,7 @@
           <a:p>
             <a:fld id="{F06048FA-06AB-4884-A69B-986B96E68A24}" type="datetime1">
               <a:rPr lang="en-US" smtClean="0"/>
-              <a:t>6/1/2021</a:t>
+              <a:t>6/2/2021</a:t>
             </a:fld>
             <a:endParaRPr lang="en-US"/>
           </a:p>
@@ -4864,7 +4863,7 @@
           <a:p>
             <a:fld id="{50DB7ABA-0172-4F9C-889D-567164F66BCD}" type="datetime1">
               <a:rPr lang="en-US" smtClean="0"/>
-              <a:t>6/1/2021</a:t>
+              <a:t>6/2/2021</a:t>
             </a:fld>
             <a:endParaRPr lang="en-US"/>
           </a:p>
@@ -5121,7 +5120,7 @@
           <a:p>
             <a:fld id="{78AC6A5B-8AE7-4A41-B5A7-9ADC6686DC18}" type="datetime1">
               <a:rPr lang="en-US" smtClean="0"/>
-              <a:t>6/1/2021</a:t>
+              <a:t>6/2/2021</a:t>
             </a:fld>
             <a:endParaRPr lang="en-US"/>
           </a:p>
@@ -5365,7 +5364,7 @@
             <a:fld id="{57E0CF6C-748E-4B7A-BC8B-3011EF78ED13}" type="datetime1">
               <a:rPr lang="en-US" smtClean="0"/>
               <a:pPr/>
-              <a:t>6/1/2021</a:t>
+              <a:t>6/2/2021</a:t>
             </a:fld>
             <a:endParaRPr lang="en-US" dirty="0"/>
           </a:p>
@@ -5999,161 +5998,6 @@
 <file path=ppt/slides/slide10.xml><?xml version="1.0" encoding="utf-8"?>
 <p:sld xmlns:a="http://schemas.openxmlformats.org/drawingml/2006/main" xmlns:r="http://schemas.openxmlformats.org/officeDocument/2006/relationships" xmlns:p="http://schemas.openxmlformats.org/presentationml/2006/main">
   <p:cSld>
-    <p:spTree>
-      <p:nvGrpSpPr>
-        <p:cNvPr id="1" name=""/>
-        <p:cNvGrpSpPr/>
-        <p:nvPr/>
-      </p:nvGrpSpPr>
-      <p:grpSpPr>
-        <a:xfrm>
-          <a:off x="0" y="0"/>
-          <a:ext cx="0" cy="0"/>
-          <a:chOff x="0" y="0"/>
-          <a:chExt cx="0" cy="0"/>
-        </a:xfrm>
-      </p:grpSpPr>
-      <p:sp>
-        <p:nvSpPr>
-          <p:cNvPr id="2" name="Title 1">
-            <a:extLst>
-              <a:ext uri="{FF2B5EF4-FFF2-40B4-BE49-F238E27FC236}">
-                <a16:creationId xmlns:a16="http://schemas.microsoft.com/office/drawing/2014/main" id="{F743EEDD-AB07-44CC-9136-C0BB9A948256}"/>
-              </a:ext>
-            </a:extLst>
-          </p:cNvPr>
-          <p:cNvSpPr>
-            <a:spLocks noGrp="1"/>
-          </p:cNvSpPr>
-          <p:nvPr>
-            <p:ph type="title"/>
-          </p:nvPr>
-        </p:nvSpPr>
-        <p:spPr/>
-        <p:txBody>
-          <a:bodyPr/>
-          <a:lstStyle/>
-          <a:p>
-            <a:r>
-              <a:rPr lang="en-SG" dirty="0"/>
-              <a:t>ML Pipeline</a:t>
-            </a:r>
-          </a:p>
-        </p:txBody>
-      </p:sp>
-      <p:pic>
-        <p:nvPicPr>
-          <p:cNvPr id="5" name="Content Placeholder 4">
-            <a:extLst>
-              <a:ext uri="{FF2B5EF4-FFF2-40B4-BE49-F238E27FC236}">
-                <a16:creationId xmlns:a16="http://schemas.microsoft.com/office/drawing/2014/main" id="{8CCA3E32-71A5-4342-B12C-4F06DEDCCF74}"/>
-              </a:ext>
-            </a:extLst>
-          </p:cNvPr>
-          <p:cNvPicPr>
-            <a:picLocks noGrp="1" noChangeAspect="1"/>
-          </p:cNvPicPr>
-          <p:nvPr>
-            <p:ph idx="1"/>
-          </p:nvPr>
-        </p:nvPicPr>
-        <p:blipFill>
-          <a:blip r:embed="rId2"/>
-          <a:stretch>
-            <a:fillRect/>
-          </a:stretch>
-        </p:blipFill>
-        <p:spPr>
-          <a:xfrm>
-            <a:off x="593332" y="1870323"/>
-            <a:ext cx="10820400" cy="1835851"/>
-          </a:xfrm>
-        </p:spPr>
-      </p:pic>
-      <p:sp>
-        <p:nvSpPr>
-          <p:cNvPr id="6" name="TextBox 5">
-            <a:extLst>
-              <a:ext uri="{FF2B5EF4-FFF2-40B4-BE49-F238E27FC236}">
-                <a16:creationId xmlns:a16="http://schemas.microsoft.com/office/drawing/2014/main" id="{25410E12-C5AC-488B-830F-C1D8968D1BA5}"/>
-              </a:ext>
-            </a:extLst>
-          </p:cNvPr>
-          <p:cNvSpPr txBox="1"/>
-          <p:nvPr/>
-        </p:nvSpPr>
-        <p:spPr>
-          <a:xfrm>
-            <a:off x="593331" y="3888794"/>
-            <a:ext cx="10820399" cy="2200602"/>
-          </a:xfrm>
-          <a:prstGeom prst="rect">
-            <a:avLst/>
-          </a:prstGeom>
-          <a:noFill/>
-        </p:spPr>
-        <p:txBody>
-          <a:bodyPr wrap="square" rtlCol="0">
-            <a:spAutoFit/>
-          </a:bodyPr>
-          <a:lstStyle/>
-          <a:p>
-            <a:pPr marL="285750" indent="-285750">
-              <a:spcAft>
-                <a:spcPts val="300"/>
-              </a:spcAft>
-              <a:buFont typeface="Arial" panose="020B0604020202020204" pitchFamily="34" charset="0"/>
-              <a:buChar char="•"/>
-            </a:pPr>
-            <a:r>
-              <a:rPr lang="en-SG" sz="2200" dirty="0"/>
-              <a:t>I implemented my machine learning pipeline in a way such that it performed all the necessary transformations internally</a:t>
-            </a:r>
-          </a:p>
-          <a:p>
-            <a:pPr marL="285750" indent="-285750">
-              <a:spcAft>
-                <a:spcPts val="300"/>
-              </a:spcAft>
-              <a:buFont typeface="Arial" panose="020B0604020202020204" pitchFamily="34" charset="0"/>
-              <a:buChar char="•"/>
-            </a:pPr>
-            <a:r>
-              <a:rPr lang="en-SG" sz="2200" dirty="0"/>
-              <a:t>It would just take in X as the raw data without the ‘class’ column and y as only the ‘class’ column of the raw data</a:t>
-            </a:r>
-          </a:p>
-          <a:p>
-            <a:pPr marL="285750" indent="-285750">
-              <a:spcAft>
-                <a:spcPts val="300"/>
-              </a:spcAft>
-              <a:buFont typeface="Arial" panose="020B0604020202020204" pitchFamily="34" charset="0"/>
-              <a:buChar char="•"/>
-            </a:pPr>
-            <a:r>
-              <a:rPr lang="en-SG" sz="2200" dirty="0"/>
-              <a:t>Feature selection and One-Hot encoding are performed within the pipeline, so the process of fitting and scoring the model would be cleaner</a:t>
-            </a:r>
-          </a:p>
-        </p:txBody>
-      </p:sp>
-    </p:spTree>
-    <p:extLst>
-      <p:ext uri="{BB962C8B-B14F-4D97-AF65-F5344CB8AC3E}">
-        <p14:creationId xmlns:p14="http://schemas.microsoft.com/office/powerpoint/2010/main" val="932405770"/>
-      </p:ext>
-    </p:extLst>
-  </p:cSld>
-  <p:clrMapOvr>
-    <a:masterClrMapping/>
-  </p:clrMapOvr>
-</p:sld>
-</file>
-
-<file path=ppt/slides/slide11.xml><?xml version="1.0" encoding="utf-8"?>
-<p:sld xmlns:a="http://schemas.openxmlformats.org/drawingml/2006/main" xmlns:r="http://schemas.openxmlformats.org/officeDocument/2006/relationships" xmlns:p="http://schemas.openxmlformats.org/presentationml/2006/main">
-  <p:cSld>
     <p:bg>
       <p:bgPr>
         <a:solidFill>
@@ -6287,13 +6131,13 @@
         </p:nvSpPr>
         <p:spPr>
           <a:xfrm>
-            <a:off x="4673600" y="2194560"/>
-            <a:ext cx="6832600" cy="4024125"/>
+            <a:off x="4512022" y="1921781"/>
+            <a:ext cx="7466946" cy="3143379"/>
           </a:xfrm>
         </p:spPr>
         <p:txBody>
           <a:bodyPr>
-            <a:normAutofit/>
+            <a:normAutofit fontScale="92500" lnSpcReduction="20000"/>
           </a:bodyPr>
           <a:lstStyle/>
           <a:p>
@@ -6330,8 +6174,44 @@
               <a:t>As mentioned at the beginning, recall is of concern as it measures how sensitive the model is when making predictions</a:t>
             </a:r>
           </a:p>
-        </p:txBody>
-      </p:sp>
+          <a:p>
+            <a:r>
+              <a:rPr lang="en-SG" dirty="0"/>
+              <a:t>The recall score is also 1.00, which means all the poisonous mushrooms were successfully identified</a:t>
+            </a:r>
+          </a:p>
+        </p:txBody>
+      </p:sp>
+      <p:pic>
+        <p:nvPicPr>
+          <p:cNvPr id="6" name="Picture 5">
+            <a:extLst>
+              <a:ext uri="{FF2B5EF4-FFF2-40B4-BE49-F238E27FC236}">
+                <a16:creationId xmlns:a16="http://schemas.microsoft.com/office/drawing/2014/main" id="{64448453-8D57-4E96-BBBC-4D07208D475A}"/>
+              </a:ext>
+            </a:extLst>
+          </p:cNvPr>
+          <p:cNvPicPr>
+            <a:picLocks noChangeAspect="1"/>
+          </p:cNvPicPr>
+          <p:nvPr/>
+        </p:nvPicPr>
+        <p:blipFill>
+          <a:blip r:embed="rId4"/>
+          <a:stretch>
+            <a:fillRect/>
+          </a:stretch>
+        </p:blipFill>
+        <p:spPr>
+          <a:xfrm>
+            <a:off x="4512022" y="5194572"/>
+            <a:ext cx="7466946" cy="1293028"/>
+          </a:xfrm>
+          <a:prstGeom prst="rect">
+            <a:avLst/>
+          </a:prstGeom>
+        </p:spPr>
+      </p:pic>
     </p:spTree>
     <p:extLst>
       <p:ext uri="{BB962C8B-B14F-4D97-AF65-F5344CB8AC3E}">
@@ -6429,7 +6309,7 @@
           <a:p>
             <a:r>
               <a:rPr lang="en-SG" dirty="0"/>
-              <a:t>The metric of interest is most likely to be recall (sensitivity)</a:t>
+              <a:t>The metric of interest is most likely to be recall (sensitivity) in a real scenario</a:t>
             </a:r>
           </a:p>
           <a:p>
@@ -6441,7 +6321,7 @@
           <a:p>
             <a:r>
               <a:rPr lang="en-SG" dirty="0"/>
-              <a:t>One possible scenario could be a restaurant sourcing for new mushrooms to be used in their new recipe</a:t>
+              <a:t>One possible case study could be a restaurant sourcing for new mushrooms to be used in their new recipe</a:t>
             </a:r>
           </a:p>
           <a:p>
@@ -6461,6 +6341,36 @@
           </a:p>
         </p:txBody>
       </p:sp>
+      <p:pic>
+        <p:nvPicPr>
+          <p:cNvPr id="5" name="Picture 4">
+            <a:extLst>
+              <a:ext uri="{FF2B5EF4-FFF2-40B4-BE49-F238E27FC236}">
+                <a16:creationId xmlns:a16="http://schemas.microsoft.com/office/drawing/2014/main" id="{C27A84E3-7821-4B26-8582-5E087B376066}"/>
+              </a:ext>
+            </a:extLst>
+          </p:cNvPr>
+          <p:cNvPicPr>
+            <a:picLocks noChangeAspect="1"/>
+          </p:cNvPicPr>
+          <p:nvPr/>
+        </p:nvPicPr>
+        <p:blipFill>
+          <a:blip r:embed="rId2"/>
+          <a:stretch>
+            <a:fillRect/>
+          </a:stretch>
+        </p:blipFill>
+        <p:spPr>
+          <a:xfrm>
+            <a:off x="554864" y="405829"/>
+            <a:ext cx="8085704" cy="1536284"/>
+          </a:xfrm>
+          <a:prstGeom prst="rect">
+            <a:avLst/>
+          </a:prstGeom>
+        </p:spPr>
+      </p:pic>
     </p:spTree>
     <p:extLst>
       <p:ext uri="{BB962C8B-B14F-4D97-AF65-F5344CB8AC3E}">
@@ -6611,7 +6521,7 @@
         <p:spPr>
           <a:xfrm>
             <a:off x="270717" y="2205823"/>
-            <a:ext cx="5249765" cy="3635461"/>
+            <a:ext cx="5909367" cy="4092235"/>
           </a:xfrm>
           <a:prstGeom prst="rect">
             <a:avLst/>
@@ -6636,8 +6546,8 @@
         </p:nvSpPr>
         <p:spPr>
           <a:xfrm>
-            <a:off x="5689600" y="2194560"/>
-            <a:ext cx="5816600" cy="4103498"/>
+            <a:off x="6256434" y="2194560"/>
+            <a:ext cx="5249766" cy="4103498"/>
           </a:xfrm>
         </p:spPr>
         <p:txBody>
@@ -6647,34 +6557,64 @@
           <a:lstStyle/>
           <a:p>
             <a:r>
-              <a:rPr lang="en-US" dirty="0"/>
+              <a:rPr lang="en-US" sz="2000" dirty="0"/>
               <a:t>To begin, we import the data from the .names and .data files</a:t>
             </a:r>
           </a:p>
           <a:p>
             <a:r>
-              <a:rPr lang="en-US" dirty="0"/>
+              <a:rPr lang="en-US" sz="2000" dirty="0"/>
               <a:t>As the expanded feature definitions are contained in the .names file, we write a function to extract the attributes and their values, and convert everything into a pandas DataFrame</a:t>
             </a:r>
           </a:p>
           <a:p>
             <a:r>
-              <a:rPr lang="en-US" dirty="0"/>
+              <a:rPr lang="en-US" sz="2000" dirty="0"/>
               <a:t>extract_attributes is a user-defined function (UDF) that can be found in utils/extraction.py</a:t>
             </a:r>
           </a:p>
           <a:p>
             <a:r>
-              <a:rPr lang="en-US" dirty="0" err="1"/>
+              <a:rPr lang="en-US" sz="2000" dirty="0" err="1"/>
               <a:t>extract_attributes</a:t>
             </a:r>
             <a:r>
-              <a:rPr lang="en-US" dirty="0"/>
+              <a:rPr lang="en-US" sz="2000" dirty="0"/>
               <a:t> makes use of Regular Expressions (regex) to perform its task</a:t>
             </a:r>
           </a:p>
         </p:txBody>
       </p:sp>
+      <p:pic>
+        <p:nvPicPr>
+          <p:cNvPr id="5" name="Picture 4">
+            <a:extLst>
+              <a:ext uri="{FF2B5EF4-FFF2-40B4-BE49-F238E27FC236}">
+                <a16:creationId xmlns:a16="http://schemas.microsoft.com/office/drawing/2014/main" id="{182383EE-E804-4A84-B45D-668232F6CDF8}"/>
+              </a:ext>
+            </a:extLst>
+          </p:cNvPr>
+          <p:cNvPicPr>
+            <a:picLocks noChangeAspect="1"/>
+          </p:cNvPicPr>
+          <p:nvPr/>
+        </p:nvPicPr>
+        <p:blipFill>
+          <a:blip r:embed="rId4"/>
+          <a:stretch>
+            <a:fillRect/>
+          </a:stretch>
+        </p:blipFill>
+        <p:spPr>
+          <a:xfrm>
+            <a:off x="270717" y="794770"/>
+            <a:ext cx="7046679" cy="908696"/>
+          </a:xfrm>
+          <a:prstGeom prst="rect">
+            <a:avLst/>
+          </a:prstGeom>
+        </p:spPr>
+      </p:pic>
     </p:spTree>
     <p:extLst>
       <p:ext uri="{BB962C8B-B14F-4D97-AF65-F5344CB8AC3E}">
@@ -6689,220 +6629,6 @@
 </file>
 
 <file path=ppt/slides/slide4.xml><?xml version="1.0" encoding="utf-8"?>
-<p:sld xmlns:a="http://schemas.openxmlformats.org/drawingml/2006/main" xmlns:r="http://schemas.openxmlformats.org/officeDocument/2006/relationships" xmlns:p="http://schemas.openxmlformats.org/presentationml/2006/main">
-  <p:cSld>
-    <p:spTree>
-      <p:nvGrpSpPr>
-        <p:cNvPr id="1" name=""/>
-        <p:cNvGrpSpPr/>
-        <p:nvPr/>
-      </p:nvGrpSpPr>
-      <p:grpSpPr>
-        <a:xfrm>
-          <a:off x="0" y="0"/>
-          <a:ext cx="0" cy="0"/>
-          <a:chOff x="0" y="0"/>
-          <a:chExt cx="0" cy="0"/>
-        </a:xfrm>
-      </p:grpSpPr>
-      <p:sp>
-        <p:nvSpPr>
-          <p:cNvPr id="2" name="Title 1">
-            <a:extLst>
-              <a:ext uri="{FF2B5EF4-FFF2-40B4-BE49-F238E27FC236}">
-                <a16:creationId xmlns:a16="http://schemas.microsoft.com/office/drawing/2014/main" id="{99DC1BDC-B7F8-431D-BE03-951FD86CBC2D}"/>
-              </a:ext>
-            </a:extLst>
-          </p:cNvPr>
-          <p:cNvSpPr>
-            <a:spLocks noGrp="1"/>
-          </p:cNvSpPr>
-          <p:nvPr>
-            <p:ph type="title"/>
-          </p:nvPr>
-        </p:nvSpPr>
-        <p:spPr/>
-        <p:txBody>
-          <a:bodyPr/>
-          <a:lstStyle/>
-          <a:p>
-            <a:r>
-              <a:rPr lang="en-SG" dirty="0"/>
-              <a:t>Exploratory data analysis</a:t>
-            </a:r>
-          </a:p>
-        </p:txBody>
-      </p:sp>
-      <p:pic>
-        <p:nvPicPr>
-          <p:cNvPr id="6" name="Content Placeholder 5">
-            <a:extLst>
-              <a:ext uri="{FF2B5EF4-FFF2-40B4-BE49-F238E27FC236}">
-                <a16:creationId xmlns:a16="http://schemas.microsoft.com/office/drawing/2014/main" id="{0DE6B13C-4B8A-4DE8-B4C7-6FA3D054B301}"/>
-              </a:ext>
-            </a:extLst>
-          </p:cNvPr>
-          <p:cNvPicPr>
-            <a:picLocks noGrp="1" noChangeAspect="1"/>
-          </p:cNvPicPr>
-          <p:nvPr>
-            <p:ph sz="half" idx="1"/>
-          </p:nvPr>
-        </p:nvPicPr>
-        <p:blipFill>
-          <a:blip r:embed="rId2"/>
-          <a:stretch>
-            <a:fillRect/>
-          </a:stretch>
-        </p:blipFill>
-        <p:spPr>
-          <a:xfrm>
-            <a:off x="999648" y="2193925"/>
-            <a:ext cx="3274401" cy="2799907"/>
-          </a:xfrm>
-        </p:spPr>
-      </p:pic>
-      <p:pic>
-        <p:nvPicPr>
-          <p:cNvPr id="8" name="Content Placeholder 7">
-            <a:extLst>
-              <a:ext uri="{FF2B5EF4-FFF2-40B4-BE49-F238E27FC236}">
-                <a16:creationId xmlns:a16="http://schemas.microsoft.com/office/drawing/2014/main" id="{386F33CD-863F-4CFF-906C-813F48DB2AFA}"/>
-              </a:ext>
-            </a:extLst>
-          </p:cNvPr>
-          <p:cNvPicPr>
-            <a:picLocks noGrp="1" noChangeAspect="1"/>
-          </p:cNvPicPr>
-          <p:nvPr>
-            <p:ph sz="half" idx="2"/>
-          </p:nvPr>
-        </p:nvPicPr>
-        <p:blipFill>
-          <a:blip r:embed="rId3"/>
-          <a:stretch>
-            <a:fillRect/>
-          </a:stretch>
-        </p:blipFill>
-        <p:spPr>
-          <a:xfrm>
-            <a:off x="4577696" y="2193925"/>
-            <a:ext cx="2899018" cy="2799907"/>
-          </a:xfrm>
-        </p:spPr>
-      </p:pic>
-      <p:sp>
-        <p:nvSpPr>
-          <p:cNvPr id="9" name="TextBox 8">
-            <a:extLst>
-              <a:ext uri="{FF2B5EF4-FFF2-40B4-BE49-F238E27FC236}">
-                <a16:creationId xmlns:a16="http://schemas.microsoft.com/office/drawing/2014/main" id="{9547CED4-00F5-4334-9298-A76D1F44FE07}"/>
-              </a:ext>
-            </a:extLst>
-          </p:cNvPr>
-          <p:cNvSpPr txBox="1"/>
-          <p:nvPr/>
-        </p:nvSpPr>
-        <p:spPr>
-          <a:xfrm>
-            <a:off x="919986" y="5486401"/>
-            <a:ext cx="10586214" cy="1077218"/>
-          </a:xfrm>
-          <a:prstGeom prst="rect">
-            <a:avLst/>
-          </a:prstGeom>
-          <a:noFill/>
-        </p:spPr>
-        <p:txBody>
-          <a:bodyPr wrap="square" rtlCol="0">
-            <a:spAutoFit/>
-          </a:bodyPr>
-          <a:lstStyle/>
-          <a:p>
-            <a:pPr marL="285750" indent="-285750">
-              <a:spcAft>
-                <a:spcPts val="600"/>
-              </a:spcAft>
-              <a:buFont typeface="Arial" panose="020B0604020202020204" pitchFamily="34" charset="0"/>
-              <a:buChar char="•"/>
-            </a:pPr>
-            <a:r>
-              <a:rPr lang="en-SG" dirty="0"/>
-              <a:t>To begin, we inspect the data and view any patterns in its distributions</a:t>
-            </a:r>
-          </a:p>
-          <a:p>
-            <a:pPr marL="285750" indent="-285750">
-              <a:spcAft>
-                <a:spcPts val="600"/>
-              </a:spcAft>
-              <a:buFont typeface="Arial" panose="020B0604020202020204" pitchFamily="34" charset="0"/>
-              <a:buChar char="•"/>
-            </a:pPr>
-            <a:r>
-              <a:rPr lang="en-SG" dirty="0"/>
-              <a:t>All the features are categorical</a:t>
-            </a:r>
-          </a:p>
-          <a:p>
-            <a:pPr marL="285750" indent="-285750">
-              <a:spcAft>
-                <a:spcPts val="600"/>
-              </a:spcAft>
-              <a:buFont typeface="Arial" panose="020B0604020202020204" pitchFamily="34" charset="0"/>
-              <a:buChar char="•"/>
-            </a:pPr>
-            <a:r>
-              <a:rPr lang="en-SG" dirty="0"/>
-              <a:t>The data is rather balanced, as can be seen from the bar graph</a:t>
-            </a:r>
-          </a:p>
-        </p:txBody>
-      </p:sp>
-      <p:pic>
-        <p:nvPicPr>
-          <p:cNvPr id="13" name="Picture 12">
-            <a:extLst>
-              <a:ext uri="{FF2B5EF4-FFF2-40B4-BE49-F238E27FC236}">
-                <a16:creationId xmlns:a16="http://schemas.microsoft.com/office/drawing/2014/main" id="{8D527EB1-CBBD-4A13-BC33-3B0431ADD27D}"/>
-              </a:ext>
-            </a:extLst>
-          </p:cNvPr>
-          <p:cNvPicPr>
-            <a:picLocks noChangeAspect="1"/>
-          </p:cNvPicPr>
-          <p:nvPr/>
-        </p:nvPicPr>
-        <p:blipFill>
-          <a:blip r:embed="rId4"/>
-          <a:stretch>
-            <a:fillRect/>
-          </a:stretch>
-        </p:blipFill>
-        <p:spPr>
-          <a:xfrm>
-            <a:off x="7775597" y="2193925"/>
-            <a:ext cx="3657135" cy="2799907"/>
-          </a:xfrm>
-          <a:prstGeom prst="rect">
-            <a:avLst/>
-          </a:prstGeom>
-        </p:spPr>
-      </p:pic>
-    </p:spTree>
-    <p:extLst>
-      <p:ext uri="{BB962C8B-B14F-4D97-AF65-F5344CB8AC3E}">
-        <p14:creationId xmlns:p14="http://schemas.microsoft.com/office/powerpoint/2010/main" val="3447225769"/>
-      </p:ext>
-    </p:extLst>
-  </p:cSld>
-  <p:clrMapOvr>
-    <a:masterClrMapping/>
-  </p:clrMapOvr>
-</p:sld>
-</file>
-
-<file path=ppt/slides/slide5.xml><?xml version="1.0" encoding="utf-8"?>
 <p:sld xmlns:a="http://schemas.openxmlformats.org/drawingml/2006/main" xmlns:r="http://schemas.openxmlformats.org/officeDocument/2006/relationships" xmlns:p="http://schemas.openxmlformats.org/presentationml/2006/main">
   <p:cSld>
     <p:bg>
@@ -6990,8 +6716,8 @@
         </p:nvSpPr>
         <p:spPr>
           <a:xfrm>
-            <a:off x="2895600" y="764373"/>
-            <a:ext cx="8610600" cy="1293028"/>
+            <a:off x="1283094" y="794936"/>
+            <a:ext cx="5928950" cy="1293028"/>
           </a:xfrm>
         </p:spPr>
         <p:txBody>
@@ -7032,44 +6758,50 @@
         </p:nvSpPr>
         <p:spPr>
           <a:xfrm>
-            <a:off x="677333" y="2194560"/>
-            <a:ext cx="5816600" cy="4024125"/>
+            <a:off x="265952" y="2379495"/>
+            <a:ext cx="5928950" cy="4216514"/>
           </a:xfrm>
         </p:spPr>
         <p:txBody>
           <a:bodyPr vert="horz" lIns="91440" tIns="45720" rIns="91440" bIns="45720" rtlCol="0">
-            <a:normAutofit/>
+            <a:normAutofit fontScale="85000" lnSpcReduction="10000"/>
           </a:bodyPr>
           <a:lstStyle/>
           <a:p>
             <a:r>
-              <a:rPr lang="en-US" sz="2000" dirty="0"/>
-              <a:t>I used a chi2-based correlation</a:t>
-            </a:r>
-          </a:p>
-          <a:p>
-            <a:r>
-              <a:rPr lang="en-US" sz="2000" dirty="0"/>
+              <a:rPr lang="en-US" sz="2400" dirty="0"/>
+              <a:t>The data is rather balanced</a:t>
+            </a:r>
+          </a:p>
+          <a:p>
+            <a:r>
+              <a:rPr lang="en-US" sz="2400" dirty="0"/>
+              <a:t>I used a chi2-based correlation to compare features</a:t>
+            </a:r>
+          </a:p>
+          <a:p>
+            <a:r>
+              <a:rPr lang="en-US" sz="2400" dirty="0"/>
               <a:t>This is how it works:</a:t>
             </a:r>
           </a:p>
           <a:p>
             <a:pPr lvl="1"/>
             <a:r>
-              <a:rPr lang="en-US" dirty="0"/>
+              <a:rPr lang="en-US" sz="2400" dirty="0"/>
               <a:t>The more edibility is evenly distributed among a certain attribute, the less it is correlated to edibility</a:t>
             </a:r>
           </a:p>
           <a:p>
             <a:pPr lvl="1"/>
             <a:r>
-              <a:rPr lang="en-US" dirty="0"/>
+              <a:rPr lang="en-US" sz="2400" dirty="0"/>
               <a:t>For example, among 1,000 mushrooms with pink gills, if 500 are edible and the rest are poisonous, then pink gills is not a good indicator of whether a mushroom is poisonous</a:t>
             </a:r>
           </a:p>
           <a:p>
             <a:r>
-              <a:rPr lang="en-US" sz="2000" dirty="0"/>
+              <a:rPr lang="en-US" sz="2400" dirty="0"/>
               <a:t>No columns/features were removed solely based on their correlations with the edibility</a:t>
             </a:r>
           </a:p>
@@ -7099,8 +6831,38 @@
         </p:blipFill>
         <p:spPr>
           <a:xfrm>
-            <a:off x="6985000" y="2905602"/>
-            <a:ext cx="4521200" cy="2373629"/>
+            <a:off x="6194902" y="3429000"/>
+            <a:ext cx="5605334" cy="2942799"/>
+          </a:xfrm>
+          <a:prstGeom prst="rect">
+            <a:avLst/>
+          </a:prstGeom>
+        </p:spPr>
+      </p:pic>
+      <p:pic>
+        <p:nvPicPr>
+          <p:cNvPr id="6" name="Picture 5">
+            <a:extLst>
+              <a:ext uri="{FF2B5EF4-FFF2-40B4-BE49-F238E27FC236}">
+                <a16:creationId xmlns:a16="http://schemas.microsoft.com/office/drawing/2014/main" id="{1753AE9E-44A6-4C65-BBC3-887B5CE7084F}"/>
+              </a:ext>
+            </a:extLst>
+          </p:cNvPr>
+          <p:cNvPicPr>
+            <a:picLocks noChangeAspect="1"/>
+          </p:cNvPicPr>
+          <p:nvPr/>
+        </p:nvPicPr>
+        <p:blipFill>
+          <a:blip r:embed="rId4"/>
+          <a:stretch>
+            <a:fillRect/>
+          </a:stretch>
+        </p:blipFill>
+        <p:spPr>
+          <a:xfrm>
+            <a:off x="7527186" y="52488"/>
+            <a:ext cx="4273050" cy="3271452"/>
           </a:xfrm>
           <a:prstGeom prst="rect">
             <a:avLst/>
@@ -7120,7 +6882,7 @@
 </p:sld>
 </file>
 
-<file path=ppt/slides/slide6.xml><?xml version="1.0" encoding="utf-8"?>
+<file path=ppt/slides/slide5.xml><?xml version="1.0" encoding="utf-8"?>
 <p:sld xmlns:a="http://schemas.openxmlformats.org/drawingml/2006/main" xmlns:r="http://schemas.openxmlformats.org/officeDocument/2006/relationships" xmlns:p="http://schemas.openxmlformats.org/presentationml/2006/main">
   <p:cSld>
     <p:spTree>
@@ -7401,7 +7163,7 @@
 </p:sld>
 </file>
 
-<file path=ppt/slides/slide7.xml><?xml version="1.0" encoding="utf-8"?>
+<file path=ppt/slides/slide6.xml><?xml version="1.0" encoding="utf-8"?>
 <p:sld xmlns:a="http://schemas.openxmlformats.org/drawingml/2006/main" xmlns:r="http://schemas.openxmlformats.org/officeDocument/2006/relationships" xmlns:p="http://schemas.openxmlformats.org/presentationml/2006/main">
   <p:cSld>
     <p:spTree>
@@ -7418,6 +7180,36 @@
           <a:chExt cx="0" cy="0"/>
         </a:xfrm>
       </p:grpSpPr>
+      <p:pic>
+        <p:nvPicPr>
+          <p:cNvPr id="20" name="Picture 19">
+            <a:extLst>
+              <a:ext uri="{FF2B5EF4-FFF2-40B4-BE49-F238E27FC236}">
+                <a16:creationId xmlns:a16="http://schemas.microsoft.com/office/drawing/2014/main" id="{8893D1B1-7BE9-46C3-9947-8B772C9D1C5D}"/>
+              </a:ext>
+            </a:extLst>
+          </p:cNvPr>
+          <p:cNvPicPr>
+            <a:picLocks noChangeAspect="1"/>
+          </p:cNvPicPr>
+          <p:nvPr/>
+        </p:nvPicPr>
+        <p:blipFill>
+          <a:blip r:embed="rId2"/>
+          <a:stretch>
+            <a:fillRect/>
+          </a:stretch>
+        </p:blipFill>
+        <p:spPr>
+          <a:xfrm>
+            <a:off x="5521275" y="633744"/>
+            <a:ext cx="6192732" cy="5746508"/>
+          </a:xfrm>
+          <a:prstGeom prst="rect">
+            <a:avLst/>
+          </a:prstGeom>
+        </p:spPr>
+      </p:pic>
       <p:sp>
         <p:nvSpPr>
           <p:cNvPr id="2" name="Title 1">
@@ -7440,10 +7232,9 @@
           <a:lstStyle/>
           <a:p>
             <a:r>
-              <a:rPr lang="en-SG"/>
+              <a:rPr lang="en-SG" dirty="0"/>
               <a:t>Data Partition</a:t>
             </a:r>
-            <a:endParaRPr lang="en-SG" dirty="0"/>
           </a:p>
         </p:txBody>
       </p:sp>
@@ -7471,63 +7262,98 @@
           <a:lstStyle/>
           <a:p>
             <a:r>
-              <a:rPr lang="en-SG" sz="1800"/>
-              <a:t>The data is partitioned in this same way for regression.</a:t>
-            </a:r>
-          </a:p>
-          <a:p>
-            <a:r>
-              <a:rPr lang="en-SG" sz="1800"/>
+              <a:rPr lang="en-SG" sz="1800" dirty="0"/>
+              <a:t>The data is partitioned in this same way for Part B.</a:t>
+            </a:r>
+          </a:p>
+          <a:p>
+            <a:r>
+              <a:rPr lang="en-SG" sz="1800" dirty="0"/>
               <a:t>It prevents data leakage from the test set and preserves a fragmented copy of the original dataset for final evaluation of the machine learning pipeline</a:t>
             </a:r>
           </a:p>
           <a:p>
             <a:r>
-              <a:rPr lang="en-SG" sz="1800"/>
-              <a:t>df and df_build are mutable</a:t>
-            </a:r>
-          </a:p>
-          <a:p>
-            <a:r>
-              <a:rPr lang="en-SG" sz="1800"/>
-              <a:t>X_build, X_final, y_build and y_final can be thought of as X_train, X_test, y_train and y_test for the final model respectively</a:t>
-            </a:r>
-            <a:endParaRPr lang="en-SG" sz="1800" dirty="0"/>
-          </a:p>
-        </p:txBody>
-      </p:sp>
-      <p:pic>
-        <p:nvPicPr>
-          <p:cNvPr id="19" name="Content Placeholder 18">
-            <a:extLst>
-              <a:ext uri="{FF2B5EF4-FFF2-40B4-BE49-F238E27FC236}">
-                <a16:creationId xmlns:a16="http://schemas.microsoft.com/office/drawing/2014/main" id="{BFC5D0FB-7B39-439C-BBE0-AE1A66D90E0B}"/>
-              </a:ext>
-            </a:extLst>
-          </p:cNvPr>
-          <p:cNvPicPr>
-            <a:picLocks noGrp="1" noChangeAspect="1"/>
-          </p:cNvPicPr>
-          <p:nvPr>
-            <p:ph idx="1"/>
-          </p:nvPr>
-        </p:nvPicPr>
-        <p:blipFill>
-          <a:blip r:embed="rId2"/>
-          <a:stretch>
-            <a:fillRect/>
-          </a:stretch>
-        </p:blipFill>
-        <p:spPr>
-          <a:xfrm>
-            <a:off x="5554311" y="746125"/>
-            <a:ext cx="5393440" cy="5472113"/>
-          </a:xfrm>
-          <a:prstGeom prst="rect">
-            <a:avLst/>
-          </a:prstGeom>
-        </p:spPr>
-      </p:pic>
+              <a:rPr lang="en-SG" sz="1800" dirty="0"/>
+              <a:t>df and </a:t>
+            </a:r>
+            <a:r>
+              <a:rPr lang="en-SG" sz="1800" dirty="0" err="1"/>
+              <a:t>df_build</a:t>
+            </a:r>
+            <a:r>
+              <a:rPr lang="en-SG" sz="1800" dirty="0"/>
+              <a:t> are mutable</a:t>
+            </a:r>
+          </a:p>
+          <a:p>
+            <a:r>
+              <a:rPr lang="en-SG" sz="1800" dirty="0" err="1"/>
+              <a:t>X_build</a:t>
+            </a:r>
+            <a:r>
+              <a:rPr lang="en-SG" sz="1800" dirty="0"/>
+              <a:t>, </a:t>
+            </a:r>
+            <a:r>
+              <a:rPr lang="en-SG" sz="1800" dirty="0" err="1"/>
+              <a:t>X_final</a:t>
+            </a:r>
+            <a:r>
+              <a:rPr lang="en-SG" sz="1800" dirty="0"/>
+              <a:t>, </a:t>
+            </a:r>
+            <a:r>
+              <a:rPr lang="en-SG" sz="1800" dirty="0" err="1"/>
+              <a:t>y_build</a:t>
+            </a:r>
+            <a:r>
+              <a:rPr lang="en-SG" sz="1800" dirty="0"/>
+              <a:t> and </a:t>
+            </a:r>
+            <a:r>
+              <a:rPr lang="en-SG" sz="1800" dirty="0" err="1"/>
+              <a:t>y_final</a:t>
+            </a:r>
+            <a:r>
+              <a:rPr lang="en-SG" sz="1800" dirty="0"/>
+              <a:t> can be thought of as </a:t>
+            </a:r>
+            <a:r>
+              <a:rPr lang="en-SG" sz="1800" dirty="0" err="1"/>
+              <a:t>X_train</a:t>
+            </a:r>
+            <a:r>
+              <a:rPr lang="en-SG" sz="1800" dirty="0"/>
+              <a:t>, </a:t>
+            </a:r>
+            <a:r>
+              <a:rPr lang="en-SG" sz="1800" dirty="0" err="1"/>
+              <a:t>X_test</a:t>
+            </a:r>
+            <a:r>
+              <a:rPr lang="en-SG" sz="1800" dirty="0"/>
+              <a:t>, </a:t>
+            </a:r>
+            <a:r>
+              <a:rPr lang="en-SG" sz="1800" dirty="0" err="1"/>
+              <a:t>y_train</a:t>
+            </a:r>
+            <a:r>
+              <a:rPr lang="en-SG" sz="1800" dirty="0"/>
+              <a:t> and </a:t>
+            </a:r>
+            <a:r>
+              <a:rPr lang="en-SG" sz="1800" dirty="0" err="1"/>
+              <a:t>y_test</a:t>
+            </a:r>
+            <a:r>
+              <a:rPr lang="en-SG" sz="1800" dirty="0"/>
+              <a:t> for the final model respectively</a:t>
+            </a:r>
+          </a:p>
+        </p:txBody>
+      </p:sp>
       <p:sp>
         <p:nvSpPr>
           <p:cNvPr id="14" name="Rectangle 13">
@@ -7542,8 +7368,8 @@
         </p:nvSpPr>
         <p:spPr>
           <a:xfrm>
-            <a:off x="6359702" y="1746607"/>
-            <a:ext cx="4366517" cy="1582219"/>
+            <a:off x="6359702" y="1921649"/>
+            <a:ext cx="4818581" cy="1869515"/>
           </a:xfrm>
           <a:prstGeom prst="rect">
             <a:avLst/>
@@ -7597,16 +7423,18 @@
         </p:nvSpPr>
         <p:spPr>
           <a:xfrm>
-            <a:off x="5650512" y="1348771"/>
-            <a:ext cx="2132315" cy="369332"/>
+            <a:off x="5521275" y="2124146"/>
+            <a:ext cx="2127147" cy="369332"/>
           </a:xfrm>
           <a:prstGeom prst="rect">
             <a:avLst/>
           </a:prstGeom>
-          <a:noFill/>
-        </p:spPr>
-        <p:txBody>
-          <a:bodyPr wrap="none" rtlCol="0">
+          <a:solidFill>
+            <a:schemeClr val="tx1"/>
+          </a:solidFill>
+        </p:spPr>
+        <p:txBody>
+          <a:bodyPr wrap="square" rtlCol="0">
             <a:spAutoFit/>
           </a:bodyPr>
           <a:lstStyle/>
@@ -7626,10 +7454,401 @@
           </a:p>
         </p:txBody>
       </p:sp>
+      <p:sp>
+        <p:nvSpPr>
+          <p:cNvPr id="9" name="Rectangle 8">
+            <a:extLst>
+              <a:ext uri="{FF2B5EF4-FFF2-40B4-BE49-F238E27FC236}">
+                <a16:creationId xmlns:a16="http://schemas.microsoft.com/office/drawing/2014/main" id="{F9E9DCBD-8053-4A0B-8CEC-8C95CBF6079D}"/>
+              </a:ext>
+            </a:extLst>
+          </p:cNvPr>
+          <p:cNvSpPr/>
+          <p:nvPr/>
+        </p:nvSpPr>
+        <p:spPr>
+          <a:xfrm>
+            <a:off x="8131359" y="908119"/>
+            <a:ext cx="1033192" cy="615881"/>
+          </a:xfrm>
+          <a:prstGeom prst="rect">
+            <a:avLst/>
+          </a:prstGeom>
+          <a:noFill/>
+          <a:ln w="38100">
+            <a:solidFill>
+              <a:schemeClr val="accent5">
+                <a:lumMod val="60000"/>
+                <a:lumOff val="40000"/>
+              </a:schemeClr>
+            </a:solidFill>
+          </a:ln>
+        </p:spPr>
+        <p:style>
+          <a:lnRef idx="2">
+            <a:schemeClr val="accent1">
+              <a:shade val="50000"/>
+            </a:schemeClr>
+          </a:lnRef>
+          <a:fillRef idx="1">
+            <a:schemeClr val="accent1"/>
+          </a:fillRef>
+          <a:effectRef idx="0">
+            <a:schemeClr val="accent1"/>
+          </a:effectRef>
+          <a:fontRef idx="minor">
+            <a:schemeClr val="lt1"/>
+          </a:fontRef>
+        </p:style>
+        <p:txBody>
+          <a:bodyPr rtlCol="0" anchor="ctr"/>
+          <a:lstStyle/>
+          <a:p>
+            <a:pPr algn="ctr"/>
+            <a:endParaRPr lang="en-SG"/>
+          </a:p>
+        </p:txBody>
+      </p:sp>
+      <p:sp>
+        <p:nvSpPr>
+          <p:cNvPr id="10" name="TextBox 9">
+            <a:extLst>
+              <a:ext uri="{FF2B5EF4-FFF2-40B4-BE49-F238E27FC236}">
+                <a16:creationId xmlns:a16="http://schemas.microsoft.com/office/drawing/2014/main" id="{7E0C908F-5C2A-439E-8A7B-055423C478A4}"/>
+              </a:ext>
+            </a:extLst>
+          </p:cNvPr>
+          <p:cNvSpPr txBox="1"/>
+          <p:nvPr/>
+        </p:nvSpPr>
+        <p:spPr>
+          <a:xfrm>
+            <a:off x="7648422" y="1031393"/>
+            <a:ext cx="684803" cy="369332"/>
+          </a:xfrm>
+          <a:prstGeom prst="rect">
+            <a:avLst/>
+          </a:prstGeom>
+          <a:solidFill>
+            <a:schemeClr val="tx1"/>
+          </a:solidFill>
+        </p:spPr>
+        <p:txBody>
+          <a:bodyPr wrap="none" rtlCol="0">
+            <a:spAutoFit/>
+          </a:bodyPr>
+          <a:lstStyle/>
+          <a:p>
+            <a:r>
+              <a:rPr lang="en-SG" dirty="0">
+                <a:solidFill>
+                  <a:schemeClr val="bg1">
+                    <a:lumMod val="95000"/>
+                    <a:lumOff val="5000"/>
+                  </a:schemeClr>
+                </a:solidFill>
+                <a:latin typeface="Comfortaa" pitchFamily="2" charset="0"/>
+              </a:rPr>
+              <a:t>EDA</a:t>
+            </a:r>
+          </a:p>
+        </p:txBody>
+      </p:sp>
+      <p:sp>
+        <p:nvSpPr>
+          <p:cNvPr id="11" name="Rectangle 10">
+            <a:extLst>
+              <a:ext uri="{FF2B5EF4-FFF2-40B4-BE49-F238E27FC236}">
+                <a16:creationId xmlns:a16="http://schemas.microsoft.com/office/drawing/2014/main" id="{37F932ED-7165-4AC6-A5DB-91536F229D27}"/>
+              </a:ext>
+            </a:extLst>
+          </p:cNvPr>
+          <p:cNvSpPr/>
+          <p:nvPr/>
+        </p:nvSpPr>
+        <p:spPr>
+          <a:xfrm>
+            <a:off x="6359701" y="5273663"/>
+            <a:ext cx="2804849" cy="676217"/>
+          </a:xfrm>
+          <a:prstGeom prst="rect">
+            <a:avLst/>
+          </a:prstGeom>
+          <a:noFill/>
+          <a:ln w="38100">
+            <a:solidFill>
+              <a:schemeClr val="accent5">
+                <a:lumMod val="60000"/>
+                <a:lumOff val="40000"/>
+              </a:schemeClr>
+            </a:solidFill>
+          </a:ln>
+        </p:spPr>
+        <p:style>
+          <a:lnRef idx="2">
+            <a:schemeClr val="accent1">
+              <a:shade val="50000"/>
+            </a:schemeClr>
+          </a:lnRef>
+          <a:fillRef idx="1">
+            <a:schemeClr val="accent1"/>
+          </a:fillRef>
+          <a:effectRef idx="0">
+            <a:schemeClr val="accent1"/>
+          </a:effectRef>
+          <a:fontRef idx="minor">
+            <a:schemeClr val="lt1"/>
+          </a:fontRef>
+        </p:style>
+        <p:txBody>
+          <a:bodyPr rtlCol="0" anchor="ctr"/>
+          <a:lstStyle/>
+          <a:p>
+            <a:pPr algn="ctr"/>
+            <a:endParaRPr lang="en-SG"/>
+          </a:p>
+        </p:txBody>
+      </p:sp>
+      <p:sp>
+        <p:nvSpPr>
+          <p:cNvPr id="12" name="TextBox 11">
+            <a:extLst>
+              <a:ext uri="{FF2B5EF4-FFF2-40B4-BE49-F238E27FC236}">
+                <a16:creationId xmlns:a16="http://schemas.microsoft.com/office/drawing/2014/main" id="{251A1DA6-4131-494D-AB83-AE5E1BB15B4F}"/>
+              </a:ext>
+            </a:extLst>
+          </p:cNvPr>
+          <p:cNvSpPr txBox="1"/>
+          <p:nvPr/>
+        </p:nvSpPr>
+        <p:spPr>
+          <a:xfrm>
+            <a:off x="8576771" y="5420790"/>
+            <a:ext cx="1862508" cy="369332"/>
+          </a:xfrm>
+          <a:prstGeom prst="rect">
+            <a:avLst/>
+          </a:prstGeom>
+          <a:solidFill>
+            <a:schemeClr val="tx1"/>
+          </a:solidFill>
+        </p:spPr>
+        <p:txBody>
+          <a:bodyPr wrap="square" rtlCol="0">
+            <a:spAutoFit/>
+          </a:bodyPr>
+          <a:lstStyle/>
+          <a:p>
+            <a:r>
+              <a:rPr lang="en-SG" dirty="0">
+                <a:solidFill>
+                  <a:schemeClr val="bg1">
+                    <a:lumMod val="95000"/>
+                    <a:lumOff val="5000"/>
+                  </a:schemeClr>
+                </a:solidFill>
+                <a:latin typeface="Comfortaa" pitchFamily="2" charset="0"/>
+              </a:rPr>
+              <a:t>Grid Searches</a:t>
+            </a:r>
+          </a:p>
+        </p:txBody>
+      </p:sp>
     </p:spTree>
     <p:extLst>
       <p:ext uri="{BB962C8B-B14F-4D97-AF65-F5344CB8AC3E}">
         <p14:creationId xmlns:p14="http://schemas.microsoft.com/office/powerpoint/2010/main" val="414414168"/>
+      </p:ext>
+    </p:extLst>
+  </p:cSld>
+  <p:clrMapOvr>
+    <a:masterClrMapping/>
+  </p:clrMapOvr>
+</p:sld>
+</file>
+
+<file path=ppt/slides/slide7.xml><?xml version="1.0" encoding="utf-8"?>
+<p:sld xmlns:a="http://schemas.openxmlformats.org/drawingml/2006/main" xmlns:r="http://schemas.openxmlformats.org/officeDocument/2006/relationships" xmlns:p="http://schemas.openxmlformats.org/presentationml/2006/main">
+  <p:cSld>
+    <p:bg>
+      <p:bgPr>
+        <a:solidFill>
+          <a:schemeClr val="bg1"/>
+        </a:solidFill>
+        <a:effectLst/>
+      </p:bgPr>
+    </p:bg>
+    <p:spTree>
+      <p:nvGrpSpPr>
+        <p:cNvPr id="1" name=""/>
+        <p:cNvGrpSpPr/>
+        <p:nvPr/>
+      </p:nvGrpSpPr>
+      <p:grpSpPr>
+        <a:xfrm>
+          <a:off x="0" y="0"/>
+          <a:ext cx="0" cy="0"/>
+          <a:chOff x="0" y="0"/>
+          <a:chExt cx="0" cy="0"/>
+        </a:xfrm>
+      </p:grpSpPr>
+      <p:sp>
+        <p:nvSpPr>
+          <p:cNvPr id="2" name="Title 1">
+            <a:extLst>
+              <a:ext uri="{FF2B5EF4-FFF2-40B4-BE49-F238E27FC236}">
+                <a16:creationId xmlns:a16="http://schemas.microsoft.com/office/drawing/2014/main" id="{3D3D3E65-D147-42A3-9C61-D5A2AC85A6AC}"/>
+              </a:ext>
+            </a:extLst>
+          </p:cNvPr>
+          <p:cNvSpPr>
+            <a:spLocks noGrp="1"/>
+          </p:cNvSpPr>
+          <p:nvPr>
+            <p:ph type="title"/>
+          </p:nvPr>
+        </p:nvSpPr>
+        <p:spPr>
+          <a:xfrm>
+            <a:off x="619760" y="764373"/>
+            <a:ext cx="6832600" cy="1293028"/>
+          </a:xfrm>
+        </p:spPr>
+        <p:txBody>
+          <a:bodyPr>
+            <a:normAutofit/>
+          </a:bodyPr>
+          <a:lstStyle/>
+          <a:p>
+            <a:r>
+              <a:rPr lang="en-SG" dirty="0"/>
+              <a:t>Best Algorithm</a:t>
+            </a:r>
+          </a:p>
+        </p:txBody>
+      </p:sp>
+      <p:sp>
+        <p:nvSpPr>
+          <p:cNvPr id="3" name="Content Placeholder 2">
+            <a:extLst>
+              <a:ext uri="{FF2B5EF4-FFF2-40B4-BE49-F238E27FC236}">
+                <a16:creationId xmlns:a16="http://schemas.microsoft.com/office/drawing/2014/main" id="{E44CD7C8-BEB9-405E-867F-B4037D905D34}"/>
+              </a:ext>
+            </a:extLst>
+          </p:cNvPr>
+          <p:cNvSpPr>
+            <a:spLocks noGrp="1"/>
+          </p:cNvSpPr>
+          <p:nvPr>
+            <p:ph idx="1"/>
+          </p:nvPr>
+        </p:nvSpPr>
+        <p:spPr>
+          <a:xfrm>
+            <a:off x="278953" y="2113572"/>
+            <a:ext cx="7488310" cy="2839879"/>
+          </a:xfrm>
+        </p:spPr>
+        <p:txBody>
+          <a:bodyPr>
+            <a:normAutofit/>
+          </a:bodyPr>
+          <a:lstStyle/>
+          <a:p>
+            <a:r>
+              <a:rPr lang="en-SG" dirty="0" err="1"/>
+              <a:t>GridSearchCV</a:t>
+            </a:r>
+            <a:r>
+              <a:rPr lang="en-SG" dirty="0"/>
+              <a:t> was used to find the best performing algorithm</a:t>
+            </a:r>
+          </a:p>
+          <a:p>
+            <a:r>
+              <a:rPr lang="en-SG" dirty="0"/>
+              <a:t>The different estimators (</a:t>
+            </a:r>
+            <a:r>
+              <a:rPr lang="en-SG" dirty="0" err="1"/>
+              <a:t>knn</a:t>
+            </a:r>
+            <a:r>
+              <a:rPr lang="en-SG" dirty="0"/>
+              <a:t>, logistic regression, Naïve Bayes, svc, decision tree) were tested as a parameter, together with 6 different combinations of their key hyper-parameters</a:t>
+            </a:r>
+          </a:p>
+          <a:p>
+            <a:r>
+              <a:rPr lang="en-SG" dirty="0"/>
+              <a:t>Logistic regression was selected as it performed the most consistently</a:t>
+            </a:r>
+          </a:p>
+        </p:txBody>
+      </p:sp>
+      <p:pic>
+        <p:nvPicPr>
+          <p:cNvPr id="6" name="Picture 5">
+            <a:extLst>
+              <a:ext uri="{FF2B5EF4-FFF2-40B4-BE49-F238E27FC236}">
+                <a16:creationId xmlns:a16="http://schemas.microsoft.com/office/drawing/2014/main" id="{440E53AF-2328-43ED-9F29-7890B495B7EC}"/>
+              </a:ext>
+            </a:extLst>
+          </p:cNvPr>
+          <p:cNvPicPr>
+            <a:picLocks noChangeAspect="1"/>
+          </p:cNvPicPr>
+          <p:nvPr/>
+        </p:nvPicPr>
+        <p:blipFill rotWithShape="1">
+          <a:blip r:embed="rId2"/>
+          <a:srcRect l="27" r="3066" b="-3"/>
+          <a:stretch/>
+        </p:blipFill>
+        <p:spPr>
+          <a:xfrm>
+            <a:off x="8018187" y="139976"/>
+            <a:ext cx="3894860" cy="4813476"/>
+          </a:xfrm>
+          <a:prstGeom prst="rect">
+            <a:avLst/>
+          </a:prstGeom>
+        </p:spPr>
+      </p:pic>
+      <p:pic>
+        <p:nvPicPr>
+          <p:cNvPr id="9" name="Picture 8">
+            <a:extLst>
+              <a:ext uri="{FF2B5EF4-FFF2-40B4-BE49-F238E27FC236}">
+                <a16:creationId xmlns:a16="http://schemas.microsoft.com/office/drawing/2014/main" id="{CE344F4E-0B93-4463-91F4-09973FF04CF4}"/>
+              </a:ext>
+            </a:extLst>
+          </p:cNvPr>
+          <p:cNvPicPr>
+            <a:picLocks noChangeAspect="1"/>
+          </p:cNvPicPr>
+          <p:nvPr/>
+        </p:nvPicPr>
+        <p:blipFill>
+          <a:blip r:embed="rId3"/>
+          <a:stretch>
+            <a:fillRect/>
+          </a:stretch>
+        </p:blipFill>
+        <p:spPr>
+          <a:xfrm>
+            <a:off x="196759" y="5009622"/>
+            <a:ext cx="10736173" cy="1648055"/>
+          </a:xfrm>
+          <a:prstGeom prst="rect">
+            <a:avLst/>
+          </a:prstGeom>
+        </p:spPr>
+      </p:pic>
+    </p:spTree>
+    <p:extLst>
+      <p:ext uri="{BB962C8B-B14F-4D97-AF65-F5344CB8AC3E}">
+        <p14:creationId xmlns:p14="http://schemas.microsoft.com/office/powerpoint/2010/main" val="2176544861"/>
       </p:ext>
     </p:extLst>
   </p:cSld>
@@ -7666,231 +7885,6 @@
       </p:grpSpPr>
       <p:sp>
         <p:nvSpPr>
-          <p:cNvPr id="2" name="Title 1">
-            <a:extLst>
-              <a:ext uri="{FF2B5EF4-FFF2-40B4-BE49-F238E27FC236}">
-                <a16:creationId xmlns:a16="http://schemas.microsoft.com/office/drawing/2014/main" id="{3D3D3E65-D147-42A3-9C61-D5A2AC85A6AC}"/>
-              </a:ext>
-            </a:extLst>
-          </p:cNvPr>
-          <p:cNvSpPr>
-            <a:spLocks noGrp="1"/>
-          </p:cNvSpPr>
-          <p:nvPr>
-            <p:ph type="title"/>
-          </p:nvPr>
-        </p:nvSpPr>
-        <p:spPr>
-          <a:xfrm>
-            <a:off x="619760" y="764373"/>
-            <a:ext cx="6832600" cy="1293028"/>
-          </a:xfrm>
-        </p:spPr>
-        <p:txBody>
-          <a:bodyPr>
-            <a:normAutofit/>
-          </a:bodyPr>
-          <a:lstStyle/>
-          <a:p>
-            <a:r>
-              <a:rPr lang="en-SG" dirty="0"/>
-              <a:t>Best Algorithm</a:t>
-            </a:r>
-          </a:p>
-        </p:txBody>
-      </p:sp>
-      <p:sp>
-        <p:nvSpPr>
-          <p:cNvPr id="3" name="Content Placeholder 2">
-            <a:extLst>
-              <a:ext uri="{FF2B5EF4-FFF2-40B4-BE49-F238E27FC236}">
-                <a16:creationId xmlns:a16="http://schemas.microsoft.com/office/drawing/2014/main" id="{E44CD7C8-BEB9-405E-867F-B4037D905D34}"/>
-              </a:ext>
-            </a:extLst>
-          </p:cNvPr>
-          <p:cNvSpPr>
-            <a:spLocks noGrp="1"/>
-          </p:cNvSpPr>
-          <p:nvPr>
-            <p:ph idx="1"/>
-          </p:nvPr>
-        </p:nvSpPr>
-        <p:spPr>
-          <a:xfrm>
-            <a:off x="619760" y="2194560"/>
-            <a:ext cx="6832600" cy="2839777"/>
-          </a:xfrm>
-        </p:spPr>
-        <p:txBody>
-          <a:bodyPr>
-            <a:normAutofit/>
-          </a:bodyPr>
-          <a:lstStyle/>
-          <a:p>
-            <a:r>
-              <a:rPr lang="en-SG" dirty="0" err="1"/>
-              <a:t>GridSearchCV</a:t>
-            </a:r>
-            <a:r>
-              <a:rPr lang="en-SG" dirty="0"/>
-              <a:t> was used to find the best performing algorithm</a:t>
-            </a:r>
-          </a:p>
-          <a:p>
-            <a:r>
-              <a:rPr lang="en-SG" dirty="0"/>
-              <a:t>The different estimators (</a:t>
-            </a:r>
-            <a:r>
-              <a:rPr lang="en-SG" dirty="0" err="1"/>
-              <a:t>knn</a:t>
-            </a:r>
-            <a:r>
-              <a:rPr lang="en-SG" dirty="0"/>
-              <a:t>, logistic regression, Naïve Bayes, svc, decision tree) were tested as a parameter, together with 6 different combinations of their key hyper-parameters</a:t>
-            </a:r>
-          </a:p>
-          <a:p>
-            <a:r>
-              <a:rPr lang="en-SG" dirty="0"/>
-              <a:t>Logistic regression was selected as it performed the most consistently as seen below</a:t>
-            </a:r>
-          </a:p>
-        </p:txBody>
-      </p:sp>
-      <p:pic>
-        <p:nvPicPr>
-          <p:cNvPr id="6" name="Picture 5">
-            <a:extLst>
-              <a:ext uri="{FF2B5EF4-FFF2-40B4-BE49-F238E27FC236}">
-                <a16:creationId xmlns:a16="http://schemas.microsoft.com/office/drawing/2014/main" id="{440E53AF-2328-43ED-9F29-7890B495B7EC}"/>
-              </a:ext>
-            </a:extLst>
-          </p:cNvPr>
-          <p:cNvPicPr>
-            <a:picLocks noChangeAspect="1"/>
-          </p:cNvPicPr>
-          <p:nvPr/>
-        </p:nvPicPr>
-        <p:blipFill rotWithShape="1">
-          <a:blip r:embed="rId2"/>
-          <a:srcRect l="27" r="3066" b="-3"/>
-          <a:stretch/>
-        </p:blipFill>
-        <p:spPr>
-          <a:xfrm>
-            <a:off x="7602876" y="746125"/>
-            <a:ext cx="4428162" cy="5472559"/>
-          </a:xfrm>
-          <a:prstGeom prst="rect">
-            <a:avLst/>
-          </a:prstGeom>
-        </p:spPr>
-      </p:pic>
-      <p:pic>
-        <p:nvPicPr>
-          <p:cNvPr id="8" name="Picture 7">
-            <a:extLst>
-              <a:ext uri="{FF2B5EF4-FFF2-40B4-BE49-F238E27FC236}">
-                <a16:creationId xmlns:a16="http://schemas.microsoft.com/office/drawing/2014/main" id="{2F508823-D1F4-4044-BF7E-B7F47882A4C1}"/>
-              </a:ext>
-            </a:extLst>
-          </p:cNvPr>
-          <p:cNvPicPr>
-            <a:picLocks noChangeAspect="1"/>
-          </p:cNvPicPr>
-          <p:nvPr/>
-        </p:nvPicPr>
-        <p:blipFill rotWithShape="1">
-          <a:blip r:embed="rId3"/>
-          <a:srcRect r="15178"/>
-          <a:stretch/>
-        </p:blipFill>
-        <p:spPr>
-          <a:xfrm>
-            <a:off x="619760" y="5207708"/>
-            <a:ext cx="6690025" cy="1010976"/>
-          </a:xfrm>
-          <a:prstGeom prst="rect">
-            <a:avLst/>
-          </a:prstGeom>
-        </p:spPr>
-      </p:pic>
-    </p:spTree>
-    <p:extLst>
-      <p:ext uri="{BB962C8B-B14F-4D97-AF65-F5344CB8AC3E}">
-        <p14:creationId xmlns:p14="http://schemas.microsoft.com/office/powerpoint/2010/main" val="2176544861"/>
-      </p:ext>
-    </p:extLst>
-  </p:cSld>
-  <p:clrMapOvr>
-    <a:masterClrMapping/>
-  </p:clrMapOvr>
-</p:sld>
-</file>
-
-<file path=ppt/slides/slide9.xml><?xml version="1.0" encoding="utf-8"?>
-<p:sld xmlns:a="http://schemas.openxmlformats.org/drawingml/2006/main" xmlns:r="http://schemas.openxmlformats.org/officeDocument/2006/relationships" xmlns:p="http://schemas.openxmlformats.org/presentationml/2006/main">
-  <p:cSld>
-    <p:bg>
-      <p:bgPr>
-        <a:solidFill>
-          <a:schemeClr val="bg1"/>
-        </a:solidFill>
-        <a:effectLst/>
-      </p:bgPr>
-    </p:bg>
-    <p:spTree>
-      <p:nvGrpSpPr>
-        <p:cNvPr id="1" name=""/>
-        <p:cNvGrpSpPr/>
-        <p:nvPr/>
-      </p:nvGrpSpPr>
-      <p:grpSpPr>
-        <a:xfrm>
-          <a:off x="0" y="0"/>
-          <a:ext cx="0" cy="0"/>
-          <a:chOff x="0" y="0"/>
-          <a:chExt cx="0" cy="0"/>
-        </a:xfrm>
-      </p:grpSpPr>
-      <p:sp>
-        <p:nvSpPr>
-          <p:cNvPr id="2" name="Title 1">
-            <a:extLst>
-              <a:ext uri="{FF2B5EF4-FFF2-40B4-BE49-F238E27FC236}">
-                <a16:creationId xmlns:a16="http://schemas.microsoft.com/office/drawing/2014/main" id="{3D3D3E65-D147-42A3-9C61-D5A2AC85A6AC}"/>
-              </a:ext>
-            </a:extLst>
-          </p:cNvPr>
-          <p:cNvSpPr>
-            <a:spLocks noGrp="1"/>
-          </p:cNvSpPr>
-          <p:nvPr>
-            <p:ph type="title"/>
-          </p:nvPr>
-        </p:nvSpPr>
-        <p:spPr>
-          <a:xfrm>
-            <a:off x="2895600" y="764373"/>
-            <a:ext cx="8610600" cy="1293028"/>
-          </a:xfrm>
-        </p:spPr>
-        <p:txBody>
-          <a:bodyPr>
-            <a:normAutofit/>
-          </a:bodyPr>
-          <a:lstStyle/>
-          <a:p>
-            <a:r>
-              <a:rPr lang="en-SG" dirty="0"/>
-              <a:t>Best Hyper-Parameters</a:t>
-            </a:r>
-          </a:p>
-        </p:txBody>
-      </p:sp>
-      <p:sp>
-        <p:nvSpPr>
           <p:cNvPr id="9" name="Content Placeholder 8">
             <a:extLst>
               <a:ext uri="{FF2B5EF4-FFF2-40B4-BE49-F238E27FC236}">
@@ -7907,13 +7901,13 @@
         </p:nvSpPr>
         <p:spPr>
           <a:xfrm>
-            <a:off x="677333" y="2194560"/>
-            <a:ext cx="5816600" cy="4024125"/>
+            <a:off x="677333" y="1936678"/>
+            <a:ext cx="5418667" cy="4474396"/>
           </a:xfrm>
         </p:spPr>
         <p:txBody>
           <a:bodyPr>
-            <a:normAutofit lnSpcReduction="10000"/>
+            <a:normAutofit/>
           </a:bodyPr>
           <a:lstStyle/>
           <a:p>
@@ -7939,9 +7933,6 @@
             </a:r>
             <a:r>
               <a:rPr lang="en-SG" b="0" i="0" dirty="0">
-                <a:solidFill>
-                  <a:srgbClr val="D4D4D4"/>
-                </a:solidFill>
                 <a:effectLst/>
                 <a:latin typeface="Consolas" panose="020B0609020204030204" pitchFamily="49" charset="0"/>
               </a:rPr>
@@ -7949,9 +7940,6 @@
             </a:r>
             <a:r>
               <a:rPr lang="en-SG" b="0" i="0" dirty="0" err="1">
-                <a:solidFill>
-                  <a:srgbClr val="D4D4D4"/>
-                </a:solidFill>
                 <a:effectLst/>
                 <a:latin typeface="Consolas" panose="020B0609020204030204" pitchFamily="49" charset="0"/>
               </a:rPr>
@@ -7959,9 +7947,6 @@
             </a:r>
             <a:r>
               <a:rPr lang="en-SG" b="0" i="0" dirty="0">
-                <a:solidFill>
-                  <a:srgbClr val="D4D4D4"/>
-                </a:solidFill>
                 <a:effectLst/>
                 <a:latin typeface="Consolas" panose="020B0609020204030204" pitchFamily="49" charset="0"/>
               </a:rPr>
@@ -7969,9 +7954,6 @@
             </a:r>
             <a:r>
               <a:rPr lang="en-SG" b="0" i="0" dirty="0" err="1">
-                <a:solidFill>
-                  <a:srgbClr val="D4D4D4"/>
-                </a:solidFill>
                 <a:effectLst/>
                 <a:latin typeface="Consolas" panose="020B0609020204030204" pitchFamily="49" charset="0"/>
               </a:rPr>
@@ -7979,9 +7961,6 @@
             </a:r>
             <a:r>
               <a:rPr lang="en-SG" b="0" i="0" dirty="0">
-                <a:solidFill>
-                  <a:srgbClr val="D4D4D4"/>
-                </a:solidFill>
                 <a:effectLst/>
                 <a:latin typeface="Consolas" panose="020B0609020204030204" pitchFamily="49" charset="0"/>
               </a:rPr>
@@ -7989,9 +7968,6 @@
             </a:r>
             <a:r>
               <a:rPr lang="en-SG" b="0" i="0" dirty="0" err="1">
-                <a:solidFill>
-                  <a:srgbClr val="D4D4D4"/>
-                </a:solidFill>
                 <a:effectLst/>
                 <a:latin typeface="Consolas" panose="020B0609020204030204" pitchFamily="49" charset="0"/>
               </a:rPr>
@@ -7999,9 +7975,6 @@
             </a:r>
             <a:r>
               <a:rPr lang="en-SG" b="0" i="0" dirty="0">
-                <a:solidFill>
-                  <a:srgbClr val="D4D4D4"/>
-                </a:solidFill>
                 <a:effectLst/>
                 <a:latin typeface="Consolas" panose="020B0609020204030204" pitchFamily="49" charset="0"/>
               </a:rPr>
@@ -8009,9 +7982,6 @@
             </a:r>
             <a:r>
               <a:rPr lang="en-SG" b="0" i="0" dirty="0" err="1">
-                <a:solidFill>
-                  <a:srgbClr val="D4D4D4"/>
-                </a:solidFill>
                 <a:effectLst/>
                 <a:latin typeface="Consolas" panose="020B0609020204030204" pitchFamily="49" charset="0"/>
               </a:rPr>
@@ -8019,9 +7989,6 @@
             </a:r>
             <a:r>
               <a:rPr lang="en-SG" b="0" i="0" dirty="0">
-                <a:solidFill>
-                  <a:srgbClr val="D4D4D4"/>
-                </a:solidFill>
                 <a:effectLst/>
                 <a:latin typeface="Consolas" panose="020B0609020204030204" pitchFamily="49" charset="0"/>
               </a:rPr>
@@ -8029,9 +7996,6 @@
             </a:r>
             <a:r>
               <a:rPr lang="en-SG" b="0" i="0" dirty="0" err="1">
-                <a:solidFill>
-                  <a:srgbClr val="D4D4D4"/>
-                </a:solidFill>
                 <a:effectLst/>
                 <a:latin typeface="Consolas" panose="020B0609020204030204" pitchFamily="49" charset="0"/>
               </a:rPr>
@@ -8039,9 +8003,6 @@
             </a:r>
             <a:r>
               <a:rPr lang="en-SG" b="0" i="0" dirty="0">
-                <a:solidFill>
-                  <a:srgbClr val="D4D4D4"/>
-                </a:solidFill>
                 <a:effectLst/>
                 <a:latin typeface="Consolas" panose="020B0609020204030204" pitchFamily="49" charset="0"/>
               </a:rPr>
@@ -8049,9 +8010,6 @@
             </a:r>
             <a:r>
               <a:rPr lang="en-SG" b="0" i="0" dirty="0" err="1">
-                <a:solidFill>
-                  <a:srgbClr val="D4D4D4"/>
-                </a:solidFill>
                 <a:effectLst/>
                 <a:latin typeface="Consolas" panose="020B0609020204030204" pitchFamily="49" charset="0"/>
               </a:rPr>
@@ -8059,9 +8017,6 @@
             </a:r>
             <a:r>
               <a:rPr lang="en-SG" b="0" i="0" dirty="0">
-                <a:solidFill>
-                  <a:srgbClr val="D4D4D4"/>
-                </a:solidFill>
                 <a:effectLst/>
                 <a:latin typeface="Consolas" panose="020B0609020204030204" pitchFamily="49" charset="0"/>
               </a:rPr>
@@ -8069,9 +8024,6 @@
             </a:r>
             <a:r>
               <a:rPr lang="en-SG" b="0" i="0" dirty="0" err="1">
-                <a:solidFill>
-                  <a:srgbClr val="D4D4D4"/>
-                </a:solidFill>
                 <a:effectLst/>
                 <a:latin typeface="Consolas" panose="020B0609020204030204" pitchFamily="49" charset="0"/>
               </a:rPr>
@@ -8079,9 +8031,6 @@
             </a:r>
             <a:r>
               <a:rPr lang="en-SG" b="0" i="0" dirty="0">
-                <a:solidFill>
-                  <a:srgbClr val="D4D4D4"/>
-                </a:solidFill>
                 <a:effectLst/>
                 <a:latin typeface="Consolas" panose="020B0609020204030204" pitchFamily="49" charset="0"/>
               </a:rPr>
@@ -8089,9 +8038,6 @@
             </a:r>
             <a:r>
               <a:rPr lang="en-SG" b="0" i="0" dirty="0" err="1">
-                <a:solidFill>
-                  <a:srgbClr val="D4D4D4"/>
-                </a:solidFill>
                 <a:effectLst/>
                 <a:latin typeface="Consolas" panose="020B0609020204030204" pitchFamily="49" charset="0"/>
               </a:rPr>
@@ -8099,9 +8045,6 @@
             </a:r>
             <a:r>
               <a:rPr lang="en-SG" b="0" i="0" dirty="0">
-                <a:solidFill>
-                  <a:srgbClr val="D4D4D4"/>
-                </a:solidFill>
                 <a:effectLst/>
                 <a:latin typeface="Consolas" panose="020B0609020204030204" pitchFamily="49" charset="0"/>
               </a:rPr>
@@ -8109,9 +8052,6 @@
             </a:r>
             <a:r>
               <a:rPr lang="en-SG" b="0" i="0" dirty="0">
-                <a:solidFill>
-                  <a:srgbClr val="D4D4D4"/>
-                </a:solidFill>
                 <a:effectLst/>
                 <a:latin typeface="Century Gothic" panose="020B0502020202020204" pitchFamily="34" charset="0"/>
               </a:rPr>
@@ -8119,9 +8059,6 @@
             </a:r>
             <a:r>
               <a:rPr lang="en-SG" b="0" i="0" dirty="0">
-                <a:solidFill>
-                  <a:srgbClr val="D4D4D4"/>
-                </a:solidFill>
                 <a:effectLst/>
               </a:rPr>
               <a:t>as the best set of parameters.</a:t>
@@ -8151,18 +8088,238 @@
         </p:blipFill>
         <p:spPr>
           <a:xfrm>
-            <a:off x="6985000" y="2501159"/>
-            <a:ext cx="4521200" cy="3410926"/>
+            <a:off x="6158320" y="1936677"/>
+            <a:ext cx="5510059" cy="4156950"/>
           </a:xfrm>
           <a:prstGeom prst="rect">
             <a:avLst/>
           </a:prstGeom>
         </p:spPr>
       </p:pic>
+      <p:pic>
+        <p:nvPicPr>
+          <p:cNvPr id="7" name="Picture 6">
+            <a:extLst>
+              <a:ext uri="{FF2B5EF4-FFF2-40B4-BE49-F238E27FC236}">
+                <a16:creationId xmlns:a16="http://schemas.microsoft.com/office/drawing/2014/main" id="{E5578F80-EE6D-42F4-B1B0-C33B13CC0045}"/>
+              </a:ext>
+            </a:extLst>
+          </p:cNvPr>
+          <p:cNvPicPr>
+            <a:picLocks noChangeAspect="1"/>
+          </p:cNvPicPr>
+          <p:nvPr/>
+        </p:nvPicPr>
+        <p:blipFill>
+          <a:blip r:embed="rId3"/>
+          <a:stretch>
+            <a:fillRect/>
+          </a:stretch>
+        </p:blipFill>
+        <p:spPr>
+          <a:xfrm>
+            <a:off x="594527" y="359498"/>
+            <a:ext cx="8601520" cy="1172304"/>
+          </a:xfrm>
+          <a:prstGeom prst="rect">
+            <a:avLst/>
+          </a:prstGeom>
+        </p:spPr>
+      </p:pic>
+      <p:sp>
+        <p:nvSpPr>
+          <p:cNvPr id="2" name="Title 1">
+            <a:extLst>
+              <a:ext uri="{FF2B5EF4-FFF2-40B4-BE49-F238E27FC236}">
+                <a16:creationId xmlns:a16="http://schemas.microsoft.com/office/drawing/2014/main" id="{3D3D3E65-D147-42A3-9C61-D5A2AC85A6AC}"/>
+              </a:ext>
+            </a:extLst>
+          </p:cNvPr>
+          <p:cNvSpPr>
+            <a:spLocks noGrp="1"/>
+          </p:cNvSpPr>
+          <p:nvPr>
+            <p:ph type="title"/>
+          </p:nvPr>
+        </p:nvSpPr>
+        <p:spPr>
+          <a:xfrm>
+            <a:off x="2895600" y="764373"/>
+            <a:ext cx="8610600" cy="1293028"/>
+          </a:xfrm>
+        </p:spPr>
+        <p:txBody>
+          <a:bodyPr>
+            <a:normAutofit/>
+          </a:bodyPr>
+          <a:lstStyle/>
+          <a:p>
+            <a:r>
+              <a:rPr lang="en-SG" dirty="0"/>
+              <a:t>Best Hyper-Parameters</a:t>
+            </a:r>
+          </a:p>
+        </p:txBody>
+      </p:sp>
     </p:spTree>
     <p:extLst>
       <p:ext uri="{BB962C8B-B14F-4D97-AF65-F5344CB8AC3E}">
         <p14:creationId xmlns:p14="http://schemas.microsoft.com/office/powerpoint/2010/main" val="3504043751"/>
+      </p:ext>
+    </p:extLst>
+  </p:cSld>
+  <p:clrMapOvr>
+    <a:masterClrMapping/>
+  </p:clrMapOvr>
+</p:sld>
+</file>
+
+<file path=ppt/slides/slide9.xml><?xml version="1.0" encoding="utf-8"?>
+<p:sld xmlns:a="http://schemas.openxmlformats.org/drawingml/2006/main" xmlns:r="http://schemas.openxmlformats.org/officeDocument/2006/relationships" xmlns:p="http://schemas.openxmlformats.org/presentationml/2006/main">
+  <p:cSld>
+    <p:spTree>
+      <p:nvGrpSpPr>
+        <p:cNvPr id="1" name=""/>
+        <p:cNvGrpSpPr/>
+        <p:nvPr/>
+      </p:nvGrpSpPr>
+      <p:grpSpPr>
+        <a:xfrm>
+          <a:off x="0" y="0"/>
+          <a:ext cx="0" cy="0"/>
+          <a:chOff x="0" y="0"/>
+          <a:chExt cx="0" cy="0"/>
+        </a:xfrm>
+      </p:grpSpPr>
+      <p:sp>
+        <p:nvSpPr>
+          <p:cNvPr id="2" name="Title 1">
+            <a:extLst>
+              <a:ext uri="{FF2B5EF4-FFF2-40B4-BE49-F238E27FC236}">
+                <a16:creationId xmlns:a16="http://schemas.microsoft.com/office/drawing/2014/main" id="{F743EEDD-AB07-44CC-9136-C0BB9A948256}"/>
+              </a:ext>
+            </a:extLst>
+          </p:cNvPr>
+          <p:cNvSpPr>
+            <a:spLocks noGrp="1"/>
+          </p:cNvSpPr>
+          <p:nvPr>
+            <p:ph type="title"/>
+          </p:nvPr>
+        </p:nvSpPr>
+        <p:spPr/>
+        <p:txBody>
+          <a:bodyPr/>
+          <a:lstStyle/>
+          <a:p>
+            <a:r>
+              <a:rPr lang="en-SG" dirty="0"/>
+              <a:t>ML Pipeline</a:t>
+            </a:r>
+          </a:p>
+        </p:txBody>
+      </p:sp>
+      <p:pic>
+        <p:nvPicPr>
+          <p:cNvPr id="5" name="Content Placeholder 4">
+            <a:extLst>
+              <a:ext uri="{FF2B5EF4-FFF2-40B4-BE49-F238E27FC236}">
+                <a16:creationId xmlns:a16="http://schemas.microsoft.com/office/drawing/2014/main" id="{8CCA3E32-71A5-4342-B12C-4F06DEDCCF74}"/>
+              </a:ext>
+            </a:extLst>
+          </p:cNvPr>
+          <p:cNvPicPr>
+            <a:picLocks noGrp="1" noChangeAspect="1"/>
+          </p:cNvPicPr>
+          <p:nvPr>
+            <p:ph idx="1"/>
+          </p:nvPr>
+        </p:nvPicPr>
+        <p:blipFill>
+          <a:blip r:embed="rId2"/>
+          <a:stretch>
+            <a:fillRect/>
+          </a:stretch>
+        </p:blipFill>
+        <p:spPr>
+          <a:xfrm>
+            <a:off x="593332" y="1870323"/>
+            <a:ext cx="10820400" cy="1835851"/>
+          </a:xfrm>
+        </p:spPr>
+      </p:pic>
+      <p:sp>
+        <p:nvSpPr>
+          <p:cNvPr id="6" name="TextBox 5">
+            <a:extLst>
+              <a:ext uri="{FF2B5EF4-FFF2-40B4-BE49-F238E27FC236}">
+                <a16:creationId xmlns:a16="http://schemas.microsoft.com/office/drawing/2014/main" id="{25410E12-C5AC-488B-830F-C1D8968D1BA5}"/>
+              </a:ext>
+            </a:extLst>
+          </p:cNvPr>
+          <p:cNvSpPr txBox="1"/>
+          <p:nvPr/>
+        </p:nvSpPr>
+        <p:spPr>
+          <a:xfrm>
+            <a:off x="593331" y="3888794"/>
+            <a:ext cx="10820399" cy="2200602"/>
+          </a:xfrm>
+          <a:prstGeom prst="rect">
+            <a:avLst/>
+          </a:prstGeom>
+          <a:noFill/>
+        </p:spPr>
+        <p:txBody>
+          <a:bodyPr wrap="square" rtlCol="0">
+            <a:spAutoFit/>
+          </a:bodyPr>
+          <a:lstStyle/>
+          <a:p>
+            <a:pPr marL="285750" indent="-285750">
+              <a:spcAft>
+                <a:spcPts val="300"/>
+              </a:spcAft>
+              <a:buFont typeface="Arial" panose="020B0604020202020204" pitchFamily="34" charset="0"/>
+              <a:buChar char="•"/>
+            </a:pPr>
+            <a:r>
+              <a:rPr lang="en-SG" sz="2200" dirty="0"/>
+              <a:t>I implemented my machine learning pipeline in a way such that it performed all the necessary transformations internally</a:t>
+            </a:r>
+          </a:p>
+          <a:p>
+            <a:pPr marL="285750" indent="-285750">
+              <a:spcAft>
+                <a:spcPts val="300"/>
+              </a:spcAft>
+              <a:buFont typeface="Arial" panose="020B0604020202020204" pitchFamily="34" charset="0"/>
+              <a:buChar char="•"/>
+            </a:pPr>
+            <a:r>
+              <a:rPr lang="en-SG" sz="2200" dirty="0"/>
+              <a:t>It would just take in X as the raw data without the ‘class’ column and y as only the ‘class’ column of the raw data</a:t>
+            </a:r>
+          </a:p>
+          <a:p>
+            <a:pPr marL="285750" indent="-285750">
+              <a:spcAft>
+                <a:spcPts val="300"/>
+              </a:spcAft>
+              <a:buFont typeface="Arial" panose="020B0604020202020204" pitchFamily="34" charset="0"/>
+              <a:buChar char="•"/>
+            </a:pPr>
+            <a:r>
+              <a:rPr lang="en-SG" sz="2200" dirty="0"/>
+              <a:t>Feature selection and One-Hot encoding are performed within the pipeline, so the process of fitting and scoring the model would be cleaner</a:t>
+            </a:r>
+          </a:p>
+        </p:txBody>
+      </p:sp>
+    </p:spTree>
+    <p:extLst>
+      <p:ext uri="{BB962C8B-B14F-4D97-AF65-F5344CB8AC3E}">
+        <p14:creationId xmlns:p14="http://schemas.microsoft.com/office/powerpoint/2010/main" val="932405770"/>
       </p:ext>
     </p:extLst>
   </p:cSld>

--- a/doc/classification-highlights.pptx
+++ b/doc/classification-highlights.pptx
@@ -6136,7 +6136,7 @@
           </a:xfrm>
         </p:spPr>
         <p:txBody>
-          <a:bodyPr>
+          <a:bodyPr anchor="ctr">
             <a:normAutofit fontScale="92500" lnSpcReduction="20000"/>
           </a:bodyPr>
           <a:lstStyle/>
@@ -6171,7 +6171,7 @@
           <a:p>
             <a:r>
               <a:rPr lang="en-SG" dirty="0"/>
-              <a:t>As mentioned at the beginning, recall is of concern as it measures how sensitive the model is when making predictions</a:t>
+              <a:t>Recall that recall is a main concern as it measures how sensitive the model is when making predictions</a:t>
             </a:r>
           </a:p>
           <a:p>
@@ -6580,7 +6580,7 @@
             </a:r>
             <a:r>
               <a:rPr lang="en-US" sz="2000" dirty="0"/>
-              <a:t> makes use of Regular Expressions (regex) to perform its task</a:t>
+              <a:t> makes use of Regular Expressions (regex) to perform this task</a:t>
             </a:r>
           </a:p>
         </p:txBody>
@@ -8061,7 +8061,7 @@
               <a:rPr lang="en-SG" b="0" i="0" dirty="0">
                 <a:effectLst/>
               </a:rPr>
-              <a:t>as the best set of parameters.</a:t>
+              <a:t>as the best set of parameters</a:t>
             </a:r>
             <a:endParaRPr lang="en-US" dirty="0"/>
           </a:p>
